--- a/Assets/Icon.pptx
+++ b/Assets/Icon.pptx
@@ -5,10 +5,13 @@
     <p:sldMasterId id="2147483660" r:id="rId1"/>
   </p:sldMasterIdLst>
   <p:sldIdLst>
-    <p:sldId id="256" r:id="rId2"/>
-    <p:sldId id="259" r:id="rId3"/>
-    <p:sldId id="257" r:id="rId4"/>
-    <p:sldId id="258" r:id="rId5"/>
+    <p:sldId id="261" r:id="rId2"/>
+    <p:sldId id="262" r:id="rId3"/>
+    <p:sldId id="263" r:id="rId4"/>
+    <p:sldId id="256" r:id="rId5"/>
+    <p:sldId id="259" r:id="rId6"/>
+    <p:sldId id="257" r:id="rId7"/>
+    <p:sldId id="258" r:id="rId8"/>
   </p:sldIdLst>
   <p:sldSz cx="9144000" cy="9144000"/>
   <p:notesSz cx="6858000" cy="9144000"/>
@@ -111,6 +114,16 @@
     <p:ext uri="{521415D9-36F7-43E2-AB2F-B90AF26B5E84}">
       <p14:sectionLst xmlns:p14="http://schemas.microsoft.com/office/powerpoint/2010/main">
         <p14:section name="Untitled Section" id="{CF4292C8-F162-4318-98A5-3C8D1DB00A88}">
+          <p14:sldIdLst/>
+        </p14:section>
+        <p14:section name="Skip Track Icon" id="{DBBA3A2F-23E3-4D30-98CD-1DCC6183BB61}">
+          <p14:sldIdLst>
+            <p14:sldId id="261"/>
+            <p14:sldId id="262"/>
+            <p14:sldId id="263"/>
+          </p14:sldIdLst>
+        </p14:section>
+        <p14:section name="Text only" id="{B0488AC2-A7C2-462E-B1D5-FB94F0BB7BC8}">
           <p14:sldIdLst>
             <p14:sldId id="256"/>
             <p14:sldId id="259"/>
@@ -138,6 +151,32 @@
 </p:presentation>
 </file>
 
+<file path=ppt/commentAuthors.xml><?xml version="1.0" encoding="utf-8"?>
+<p:cmAuthorLst xmlns:a="http://schemas.openxmlformats.org/drawingml/2006/main" xmlns:r="http://schemas.openxmlformats.org/officeDocument/2006/relationships" xmlns:p="http://schemas.openxmlformats.org/presentationml/2006/main">
+  <p:cmAuthor id="1" name="Simon Tao" initials="ST" lastIdx="1" clrIdx="0">
+    <p:extLst>
+      <p:ext uri="{19B8F6BF-5375-455C-9EA6-DF929625EA0E}">
+        <p15:presenceInfo xmlns:p15="http://schemas.microsoft.com/office/powerpoint/2012/main" userId="ed84f04a5183e03f" providerId="Windows Live"/>
+      </p:ext>
+    </p:extLst>
+  </p:cmAuthor>
+</p:cmAuthorLst>
+</file>
+
+<file path=ppt/comments/comment1.xml><?xml version="1.0" encoding="utf-8"?>
+<p:cmLst xmlns:a="http://schemas.openxmlformats.org/drawingml/2006/main" xmlns:r="http://schemas.openxmlformats.org/officeDocument/2006/relationships" xmlns:p="http://schemas.openxmlformats.org/presentationml/2006/main">
+  <p:cm authorId="1" dt="2021-01-02T00:33:30.893" idx="1">
+    <p:pos x="10" y="10"/>
+    <p:text>Taskbar icon style: optimized for very small image sizes.</p:text>
+    <p:extLst>
+      <p:ext uri="{C676402C-5697-4E1C-873F-D02D1690AC5C}">
+        <p15:threadingInfo xmlns:p15="http://schemas.microsoft.com/office/powerpoint/2012/main" timeZoneBias="480"/>
+      </p:ext>
+    </p:extLst>
+  </p:cm>
+</p:cmLst>
+</file>
+
 <file path=ppt/slideLayouts/slideLayout1.xml><?xml version="1.0" encoding="utf-8"?>
 <p:sldLayout xmlns:a="http://schemas.openxmlformats.org/drawingml/2006/main" xmlns:r="http://schemas.openxmlformats.org/officeDocument/2006/relationships" xmlns:p="http://schemas.openxmlformats.org/presentationml/2006/main" type="title" preserve="1">
   <p:cSld name="Title Slide">
@@ -269,7 +308,7 @@
           <a:p>
             <a:fld id="{FEB3AB69-555A-4B2E-BF5D-3F73E57A8787}" type="datetimeFigureOut">
               <a:rPr lang="en-US" smtClean="0"/>
-              <a:t>12/27/2020</a:t>
+              <a:t>1/2/2021</a:t>
             </a:fld>
             <a:endParaRPr lang="en-US"/>
           </a:p>
@@ -439,7 +478,7 @@
           <a:p>
             <a:fld id="{FEB3AB69-555A-4B2E-BF5D-3F73E57A8787}" type="datetimeFigureOut">
               <a:rPr lang="en-US" smtClean="0"/>
-              <a:t>12/27/2020</a:t>
+              <a:t>1/2/2021</a:t>
             </a:fld>
             <a:endParaRPr lang="en-US"/>
           </a:p>
@@ -619,7 +658,7 @@
           <a:p>
             <a:fld id="{FEB3AB69-555A-4B2E-BF5D-3F73E57A8787}" type="datetimeFigureOut">
               <a:rPr lang="en-US" smtClean="0"/>
-              <a:t>12/27/2020</a:t>
+              <a:t>1/2/2021</a:t>
             </a:fld>
             <a:endParaRPr lang="en-US"/>
           </a:p>
@@ -789,7 +828,7 @@
           <a:p>
             <a:fld id="{FEB3AB69-555A-4B2E-BF5D-3F73E57A8787}" type="datetimeFigureOut">
               <a:rPr lang="en-US" smtClean="0"/>
-              <a:t>12/27/2020</a:t>
+              <a:t>1/2/2021</a:t>
             </a:fld>
             <a:endParaRPr lang="en-US"/>
           </a:p>
@@ -1033,7 +1072,7 @@
           <a:p>
             <a:fld id="{FEB3AB69-555A-4B2E-BF5D-3F73E57A8787}" type="datetimeFigureOut">
               <a:rPr lang="en-US" smtClean="0"/>
-              <a:t>12/27/2020</a:t>
+              <a:t>1/2/2021</a:t>
             </a:fld>
             <a:endParaRPr lang="en-US"/>
           </a:p>
@@ -1265,7 +1304,7 @@
           <a:p>
             <a:fld id="{FEB3AB69-555A-4B2E-BF5D-3F73E57A8787}" type="datetimeFigureOut">
               <a:rPr lang="en-US" smtClean="0"/>
-              <a:t>12/27/2020</a:t>
+              <a:t>1/2/2021</a:t>
             </a:fld>
             <a:endParaRPr lang="en-US"/>
           </a:p>
@@ -1632,7 +1671,7 @@
           <a:p>
             <a:fld id="{FEB3AB69-555A-4B2E-BF5D-3F73E57A8787}" type="datetimeFigureOut">
               <a:rPr lang="en-US" smtClean="0"/>
-              <a:t>12/27/2020</a:t>
+              <a:t>1/2/2021</a:t>
             </a:fld>
             <a:endParaRPr lang="en-US"/>
           </a:p>
@@ -1750,7 +1789,7 @@
           <a:p>
             <a:fld id="{FEB3AB69-555A-4B2E-BF5D-3F73E57A8787}" type="datetimeFigureOut">
               <a:rPr lang="en-US" smtClean="0"/>
-              <a:t>12/27/2020</a:t>
+              <a:t>1/2/2021</a:t>
             </a:fld>
             <a:endParaRPr lang="en-US"/>
           </a:p>
@@ -1845,7 +1884,7 @@
           <a:p>
             <a:fld id="{FEB3AB69-555A-4B2E-BF5D-3F73E57A8787}" type="datetimeFigureOut">
               <a:rPr lang="en-US" smtClean="0"/>
-              <a:t>12/27/2020</a:t>
+              <a:t>1/2/2021</a:t>
             </a:fld>
             <a:endParaRPr lang="en-US"/>
           </a:p>
@@ -2122,7 +2161,7 @@
           <a:p>
             <a:fld id="{FEB3AB69-555A-4B2E-BF5D-3F73E57A8787}" type="datetimeFigureOut">
               <a:rPr lang="en-US" smtClean="0"/>
-              <a:t>12/27/2020</a:t>
+              <a:t>1/2/2021</a:t>
             </a:fld>
             <a:endParaRPr lang="en-US"/>
           </a:p>
@@ -2379,7 +2418,7 @@
           <a:p>
             <a:fld id="{FEB3AB69-555A-4B2E-BF5D-3F73E57A8787}" type="datetimeFigureOut">
               <a:rPr lang="en-US" smtClean="0"/>
-              <a:t>12/27/2020</a:t>
+              <a:t>1/2/2021</a:t>
             </a:fld>
             <a:endParaRPr lang="en-US"/>
           </a:p>
@@ -2597,7 +2636,7 @@
           <a:p>
             <a:fld id="{FEB3AB69-555A-4B2E-BF5D-3F73E57A8787}" type="datetimeFigureOut">
               <a:rPr lang="en-US" smtClean="0"/>
-              <a:t>12/27/2020</a:t>
+              <a:t>1/2/2021</a:t>
             </a:fld>
             <a:endParaRPr lang="en-US"/>
           </a:p>
@@ -3004,6 +3043,1170 @@
       </p:grpSpPr>
       <p:sp>
         <p:nvSpPr>
+          <p:cNvPr id="11" name="Rectangle 10">
+            <a:extLst>
+              <a:ext uri="{FF2B5EF4-FFF2-40B4-BE49-F238E27FC236}">
+                <a16:creationId xmlns:a16="http://schemas.microsoft.com/office/drawing/2014/main" id="{55AF9357-11B5-4647-898E-BEFA39514B1C}"/>
+              </a:ext>
+            </a:extLst>
+          </p:cNvPr>
+          <p:cNvSpPr/>
+          <p:nvPr/>
+        </p:nvSpPr>
+        <p:spPr>
+          <a:xfrm>
+            <a:off x="2616414" y="918332"/>
+            <a:ext cx="3911172" cy="3911172"/>
+          </a:xfrm>
+          <a:prstGeom prst="rect">
+            <a:avLst/>
+          </a:prstGeom>
+          <a:gradFill>
+            <a:gsLst>
+              <a:gs pos="80000">
+                <a:srgbClr val="0000FF"/>
+              </a:gs>
+              <a:gs pos="20000">
+                <a:srgbClr val="FF0000"/>
+              </a:gs>
+              <a:gs pos="0">
+                <a:srgbClr val="FF0000"/>
+              </a:gs>
+              <a:gs pos="40000">
+                <a:srgbClr val="FFFF00"/>
+              </a:gs>
+              <a:gs pos="60000">
+                <a:srgbClr val="00CC00"/>
+              </a:gs>
+              <a:gs pos="100000">
+                <a:srgbClr val="0000FF"/>
+              </a:gs>
+            </a:gsLst>
+            <a:lin ang="1800000" scaled="0"/>
+          </a:gradFill>
+          <a:ln w="203200">
+            <a:solidFill>
+              <a:schemeClr val="tx1"/>
+            </a:solidFill>
+          </a:ln>
+        </p:spPr>
+        <p:style>
+          <a:lnRef idx="2">
+            <a:schemeClr val="accent1">
+              <a:shade val="50000"/>
+            </a:schemeClr>
+          </a:lnRef>
+          <a:fillRef idx="1">
+            <a:schemeClr val="accent1"/>
+          </a:fillRef>
+          <a:effectRef idx="0">
+            <a:schemeClr val="accent1"/>
+          </a:effectRef>
+          <a:fontRef idx="minor">
+            <a:schemeClr val="lt1"/>
+          </a:fontRef>
+        </p:style>
+        <p:txBody>
+          <a:bodyPr rtlCol="0" anchor="ctr"/>
+          <a:lstStyle/>
+          <a:p>
+            <a:pPr algn="ctr"/>
+            <a:endParaRPr lang="en-US"/>
+          </a:p>
+        </p:txBody>
+      </p:sp>
+      <p:sp>
+        <p:nvSpPr>
+          <p:cNvPr id="2" name="Title 1">
+            <a:extLst>
+              <a:ext uri="{FF2B5EF4-FFF2-40B4-BE49-F238E27FC236}">
+                <a16:creationId xmlns:a16="http://schemas.microsoft.com/office/drawing/2014/main" id="{A5B70141-F160-4715-BABB-D5C4F20075CB}"/>
+              </a:ext>
+            </a:extLst>
+          </p:cNvPr>
+          <p:cNvSpPr>
+            <a:spLocks noGrp="1"/>
+          </p:cNvSpPr>
+          <p:nvPr>
+            <p:ph type="ctrTitle"/>
+          </p:nvPr>
+        </p:nvSpPr>
+        <p:spPr>
+          <a:xfrm>
+            <a:off x="0" y="5139558"/>
+            <a:ext cx="9144000" cy="4004441"/>
+          </a:xfrm>
+          <a:noFill/>
+          <a:ln>
+            <a:noFill/>
+          </a:ln>
+        </p:spPr>
+        <p:style>
+          <a:lnRef idx="2">
+            <a:schemeClr val="dk1"/>
+          </a:lnRef>
+          <a:fillRef idx="1">
+            <a:schemeClr val="lt1"/>
+          </a:fillRef>
+          <a:effectRef idx="0">
+            <a:schemeClr val="dk1"/>
+          </a:effectRef>
+          <a:fontRef idx="minor">
+            <a:schemeClr val="dk1"/>
+          </a:fontRef>
+        </p:style>
+        <p:txBody>
+          <a:bodyPr anchor="ctr">
+            <a:noAutofit/>
+          </a:bodyPr>
+          <a:lstStyle/>
+          <a:p>
+            <a:r>
+              <a:rPr lang="en-US" sz="33500" b="1" dirty="0">
+                <a:solidFill>
+                  <a:schemeClr val="tx1"/>
+                </a:solidFill>
+                <a:effectLst/>
+                <a:latin typeface="+mn-lt"/>
+              </a:rPr>
+              <a:t>HDR</a:t>
+            </a:r>
+            <a:endParaRPr lang="en-US" sz="5400" b="1" dirty="0">
+              <a:solidFill>
+                <a:schemeClr val="tx1"/>
+              </a:solidFill>
+              <a:effectLst/>
+              <a:latin typeface="+mn-lt"/>
+            </a:endParaRPr>
+          </a:p>
+        </p:txBody>
+      </p:sp>
+      <p:sp>
+        <p:nvSpPr>
+          <p:cNvPr id="5" name="Rectangle 4">
+            <a:extLst>
+              <a:ext uri="{FF2B5EF4-FFF2-40B4-BE49-F238E27FC236}">
+                <a16:creationId xmlns:a16="http://schemas.microsoft.com/office/drawing/2014/main" id="{897C16B4-971C-49AF-A586-90B6BDE1A63E}"/>
+              </a:ext>
+            </a:extLst>
+          </p:cNvPr>
+          <p:cNvSpPr/>
+          <p:nvPr/>
+        </p:nvSpPr>
+        <p:spPr>
+          <a:xfrm>
+            <a:off x="-1" y="0"/>
+            <a:ext cx="7315200" cy="5939758"/>
+          </a:xfrm>
+          <a:prstGeom prst="rect">
+            <a:avLst/>
+          </a:prstGeom>
+          <a:noFill/>
+          <a:ln>
+            <a:noFill/>
+          </a:ln>
+        </p:spPr>
+        <p:style>
+          <a:lnRef idx="2">
+            <a:schemeClr val="dk1"/>
+          </a:lnRef>
+          <a:fillRef idx="1">
+            <a:schemeClr val="lt1"/>
+          </a:fillRef>
+          <a:effectRef idx="0">
+            <a:schemeClr val="dk1"/>
+          </a:effectRef>
+          <a:fontRef idx="minor">
+            <a:schemeClr val="dk1"/>
+          </a:fontRef>
+        </p:style>
+        <p:txBody>
+          <a:bodyPr rtlCol="0" anchor="ctr"/>
+          <a:lstStyle/>
+          <a:p>
+            <a:pPr algn="ctr"/>
+            <a:endParaRPr lang="en-US" sz="4000" dirty="0"/>
+          </a:p>
+        </p:txBody>
+      </p:sp>
+      <p:grpSp>
+        <p:nvGrpSpPr>
+          <p:cNvPr id="3" name="Group 2">
+            <a:extLst>
+              <a:ext uri="{FF2B5EF4-FFF2-40B4-BE49-F238E27FC236}">
+                <a16:creationId xmlns:a16="http://schemas.microsoft.com/office/drawing/2014/main" id="{86FA2526-B736-4ABE-A796-099D4923C055}"/>
+              </a:ext>
+            </a:extLst>
+          </p:cNvPr>
+          <p:cNvGrpSpPr/>
+          <p:nvPr/>
+        </p:nvGrpSpPr>
+        <p:grpSpPr>
+          <a:xfrm>
+            <a:off x="3523130" y="2205405"/>
+            <a:ext cx="2274473" cy="1337026"/>
+            <a:chOff x="3523130" y="2097740"/>
+            <a:chExt cx="2274473" cy="1337026"/>
+          </a:xfrm>
+          <a:effectLst>
+            <a:glow rad="254000">
+              <a:schemeClr val="tx1"/>
+            </a:glow>
+          </a:effectLst>
+        </p:grpSpPr>
+        <p:sp>
+          <p:nvSpPr>
+            <p:cNvPr id="8" name="Isosceles Triangle 7">
+              <a:extLst>
+                <a:ext uri="{FF2B5EF4-FFF2-40B4-BE49-F238E27FC236}">
+                  <a16:creationId xmlns:a16="http://schemas.microsoft.com/office/drawing/2014/main" id="{2CCC7AA2-4B79-4D63-9B86-AB499234B201}"/>
+                </a:ext>
+              </a:extLst>
+            </p:cNvPr>
+            <p:cNvSpPr/>
+            <p:nvPr/>
+          </p:nvSpPr>
+          <p:spPr>
+            <a:xfrm rot="5400000">
+              <a:off x="3469339" y="2151531"/>
+              <a:ext cx="1337025" cy="1229444"/>
+            </a:xfrm>
+            <a:prstGeom prst="triangle">
+              <a:avLst/>
+            </a:prstGeom>
+            <a:solidFill>
+              <a:schemeClr val="bg1"/>
+            </a:solidFill>
+            <a:ln w="12700">
+              <a:noFill/>
+            </a:ln>
+          </p:spPr>
+          <p:style>
+            <a:lnRef idx="2">
+              <a:schemeClr val="accent1">
+                <a:shade val="50000"/>
+              </a:schemeClr>
+            </a:lnRef>
+            <a:fillRef idx="1">
+              <a:schemeClr val="accent1"/>
+            </a:fillRef>
+            <a:effectRef idx="0">
+              <a:schemeClr val="accent1"/>
+            </a:effectRef>
+            <a:fontRef idx="minor">
+              <a:schemeClr val="lt1"/>
+            </a:fontRef>
+          </p:style>
+          <p:txBody>
+            <a:bodyPr rtlCol="0" anchor="ctr"/>
+            <a:lstStyle/>
+            <a:p>
+              <a:pPr algn="ctr"/>
+              <a:endParaRPr lang="en-US">
+                <a:effectLst>
+                  <a:glow rad="139700">
+                    <a:schemeClr val="accent1">
+                      <a:satMod val="175000"/>
+                      <a:alpha val="40000"/>
+                    </a:schemeClr>
+                  </a:glow>
+                </a:effectLst>
+              </a:endParaRPr>
+            </a:p>
+          </p:txBody>
+        </p:sp>
+        <p:sp>
+          <p:nvSpPr>
+            <p:cNvPr id="10" name="Rectangle 9">
+              <a:extLst>
+                <a:ext uri="{FF2B5EF4-FFF2-40B4-BE49-F238E27FC236}">
+                  <a16:creationId xmlns:a16="http://schemas.microsoft.com/office/drawing/2014/main" id="{AC0EA0F2-81FF-4F6F-832B-EF3DD6CF8397}"/>
+                </a:ext>
+              </a:extLst>
+            </p:cNvPr>
+            <p:cNvSpPr/>
+            <p:nvPr/>
+          </p:nvSpPr>
+          <p:spPr>
+            <a:xfrm>
+              <a:off x="5474874" y="2097740"/>
+              <a:ext cx="322729" cy="1337026"/>
+            </a:xfrm>
+            <a:prstGeom prst="rect">
+              <a:avLst/>
+            </a:prstGeom>
+            <a:solidFill>
+              <a:schemeClr val="bg1"/>
+            </a:solidFill>
+            <a:ln w="12700">
+              <a:noFill/>
+            </a:ln>
+          </p:spPr>
+          <p:style>
+            <a:lnRef idx="2">
+              <a:schemeClr val="accent1">
+                <a:shade val="50000"/>
+              </a:schemeClr>
+            </a:lnRef>
+            <a:fillRef idx="1">
+              <a:schemeClr val="accent1"/>
+            </a:fillRef>
+            <a:effectRef idx="0">
+              <a:schemeClr val="accent1"/>
+            </a:effectRef>
+            <a:fontRef idx="minor">
+              <a:schemeClr val="lt1"/>
+            </a:fontRef>
+          </p:style>
+          <p:txBody>
+            <a:bodyPr rtlCol="0" anchor="ctr"/>
+            <a:lstStyle/>
+            <a:p>
+              <a:pPr algn="ctr"/>
+              <a:endParaRPr lang="en-US">
+                <a:effectLst>
+                  <a:glow rad="139700">
+                    <a:schemeClr val="accent1">
+                      <a:satMod val="175000"/>
+                      <a:alpha val="40000"/>
+                    </a:schemeClr>
+                  </a:glow>
+                </a:effectLst>
+              </a:endParaRPr>
+            </a:p>
+          </p:txBody>
+        </p:sp>
+        <p:sp>
+          <p:nvSpPr>
+            <p:cNvPr id="13" name="Isosceles Triangle 12">
+              <a:extLst>
+                <a:ext uri="{FF2B5EF4-FFF2-40B4-BE49-F238E27FC236}">
+                  <a16:creationId xmlns:a16="http://schemas.microsoft.com/office/drawing/2014/main" id="{8A99D1B9-F624-46AE-8DC0-4B600CDB2151}"/>
+                </a:ext>
+              </a:extLst>
+            </p:cNvPr>
+            <p:cNvSpPr/>
+            <p:nvPr/>
+          </p:nvSpPr>
+          <p:spPr>
+            <a:xfrm rot="5400000">
+              <a:off x="4445211" y="2151531"/>
+              <a:ext cx="1337025" cy="1229444"/>
+            </a:xfrm>
+            <a:prstGeom prst="triangle">
+              <a:avLst/>
+            </a:prstGeom>
+            <a:solidFill>
+              <a:schemeClr val="bg1"/>
+            </a:solidFill>
+            <a:ln w="12700">
+              <a:noFill/>
+            </a:ln>
+          </p:spPr>
+          <p:style>
+            <a:lnRef idx="2">
+              <a:schemeClr val="accent1">
+                <a:shade val="50000"/>
+              </a:schemeClr>
+            </a:lnRef>
+            <a:fillRef idx="1">
+              <a:schemeClr val="accent1"/>
+            </a:fillRef>
+            <a:effectRef idx="0">
+              <a:schemeClr val="accent1"/>
+            </a:effectRef>
+            <a:fontRef idx="minor">
+              <a:schemeClr val="lt1"/>
+            </a:fontRef>
+          </p:style>
+          <p:txBody>
+            <a:bodyPr rtlCol="0" anchor="ctr"/>
+            <a:lstStyle/>
+            <a:p>
+              <a:pPr algn="ctr"/>
+              <a:endParaRPr lang="en-US">
+                <a:effectLst>
+                  <a:glow rad="139700">
+                    <a:schemeClr val="accent1">
+                      <a:satMod val="175000"/>
+                      <a:alpha val="40000"/>
+                    </a:schemeClr>
+                  </a:glow>
+                </a:effectLst>
+              </a:endParaRPr>
+            </a:p>
+          </p:txBody>
+        </p:sp>
+      </p:grpSp>
+    </p:spTree>
+    <p:extLst>
+      <p:ext uri="{BB962C8B-B14F-4D97-AF65-F5344CB8AC3E}">
+        <p14:creationId xmlns:p14="http://schemas.microsoft.com/office/powerpoint/2010/main" val="816127165"/>
+      </p:ext>
+    </p:extLst>
+  </p:cSld>
+  <p:clrMapOvr>
+    <a:masterClrMapping/>
+  </p:clrMapOvr>
+</p:sld>
+</file>
+
+<file path=ppt/slides/slide2.xml><?xml version="1.0" encoding="utf-8"?>
+<p:sld xmlns:a="http://schemas.openxmlformats.org/drawingml/2006/main" xmlns:r="http://schemas.openxmlformats.org/officeDocument/2006/relationships" xmlns:p="http://schemas.openxmlformats.org/presentationml/2006/main">
+  <p:cSld>
+    <p:spTree>
+      <p:nvGrpSpPr>
+        <p:cNvPr id="1" name=""/>
+        <p:cNvGrpSpPr/>
+        <p:nvPr/>
+      </p:nvGrpSpPr>
+      <p:grpSpPr>
+        <a:xfrm>
+          <a:off x="0" y="0"/>
+          <a:ext cx="0" cy="0"/>
+          <a:chOff x="0" y="0"/>
+          <a:chExt cx="0" cy="0"/>
+        </a:xfrm>
+      </p:grpSpPr>
+      <p:sp>
+        <p:nvSpPr>
+          <p:cNvPr id="11" name="Rectangle 10">
+            <a:extLst>
+              <a:ext uri="{FF2B5EF4-FFF2-40B4-BE49-F238E27FC236}">
+                <a16:creationId xmlns:a16="http://schemas.microsoft.com/office/drawing/2014/main" id="{55AF9357-11B5-4647-898E-BEFA39514B1C}"/>
+              </a:ext>
+            </a:extLst>
+          </p:cNvPr>
+          <p:cNvSpPr/>
+          <p:nvPr/>
+        </p:nvSpPr>
+        <p:spPr>
+          <a:xfrm>
+            <a:off x="2616414" y="918332"/>
+            <a:ext cx="3911172" cy="3911172"/>
+          </a:xfrm>
+          <a:prstGeom prst="rect">
+            <a:avLst/>
+          </a:prstGeom>
+          <a:noFill/>
+          <a:ln w="203200">
+            <a:solidFill>
+              <a:schemeClr val="tx1"/>
+            </a:solidFill>
+          </a:ln>
+        </p:spPr>
+        <p:style>
+          <a:lnRef idx="2">
+            <a:schemeClr val="accent1">
+              <a:shade val="50000"/>
+            </a:schemeClr>
+          </a:lnRef>
+          <a:fillRef idx="1">
+            <a:schemeClr val="accent1"/>
+          </a:fillRef>
+          <a:effectRef idx="0">
+            <a:schemeClr val="accent1"/>
+          </a:effectRef>
+          <a:fontRef idx="minor">
+            <a:schemeClr val="lt1"/>
+          </a:fontRef>
+        </p:style>
+        <p:txBody>
+          <a:bodyPr rtlCol="0" anchor="ctr"/>
+          <a:lstStyle/>
+          <a:p>
+            <a:pPr algn="ctr"/>
+            <a:endParaRPr lang="en-US"/>
+          </a:p>
+        </p:txBody>
+      </p:sp>
+      <p:sp>
+        <p:nvSpPr>
+          <p:cNvPr id="2" name="Title 1">
+            <a:extLst>
+              <a:ext uri="{FF2B5EF4-FFF2-40B4-BE49-F238E27FC236}">
+                <a16:creationId xmlns:a16="http://schemas.microsoft.com/office/drawing/2014/main" id="{A5B70141-F160-4715-BABB-D5C4F20075CB}"/>
+              </a:ext>
+            </a:extLst>
+          </p:cNvPr>
+          <p:cNvSpPr>
+            <a:spLocks noGrp="1"/>
+          </p:cNvSpPr>
+          <p:nvPr>
+            <p:ph type="ctrTitle"/>
+          </p:nvPr>
+        </p:nvSpPr>
+        <p:spPr>
+          <a:xfrm>
+            <a:off x="0" y="5139558"/>
+            <a:ext cx="9144000" cy="4004441"/>
+          </a:xfrm>
+          <a:noFill/>
+          <a:ln>
+            <a:noFill/>
+          </a:ln>
+        </p:spPr>
+        <p:style>
+          <a:lnRef idx="2">
+            <a:schemeClr val="dk1"/>
+          </a:lnRef>
+          <a:fillRef idx="1">
+            <a:schemeClr val="lt1"/>
+          </a:fillRef>
+          <a:effectRef idx="0">
+            <a:schemeClr val="dk1"/>
+          </a:effectRef>
+          <a:fontRef idx="minor">
+            <a:schemeClr val="dk1"/>
+          </a:fontRef>
+        </p:style>
+        <p:txBody>
+          <a:bodyPr anchor="ctr">
+            <a:noAutofit/>
+          </a:bodyPr>
+          <a:lstStyle/>
+          <a:p>
+            <a:r>
+              <a:rPr lang="en-US" sz="33500" b="1" dirty="0">
+                <a:solidFill>
+                  <a:schemeClr val="tx1"/>
+                </a:solidFill>
+                <a:effectLst/>
+                <a:latin typeface="+mn-lt"/>
+              </a:rPr>
+              <a:t>HDR</a:t>
+            </a:r>
+            <a:endParaRPr lang="en-US" sz="5400" b="1" dirty="0">
+              <a:solidFill>
+                <a:schemeClr val="tx1"/>
+              </a:solidFill>
+              <a:effectLst/>
+              <a:latin typeface="+mn-lt"/>
+            </a:endParaRPr>
+          </a:p>
+        </p:txBody>
+      </p:sp>
+      <p:sp>
+        <p:nvSpPr>
+          <p:cNvPr id="5" name="Rectangle 4">
+            <a:extLst>
+              <a:ext uri="{FF2B5EF4-FFF2-40B4-BE49-F238E27FC236}">
+                <a16:creationId xmlns:a16="http://schemas.microsoft.com/office/drawing/2014/main" id="{897C16B4-971C-49AF-A586-90B6BDE1A63E}"/>
+              </a:ext>
+            </a:extLst>
+          </p:cNvPr>
+          <p:cNvSpPr/>
+          <p:nvPr/>
+        </p:nvSpPr>
+        <p:spPr>
+          <a:xfrm>
+            <a:off x="-1" y="0"/>
+            <a:ext cx="7315200" cy="5939758"/>
+          </a:xfrm>
+          <a:prstGeom prst="rect">
+            <a:avLst/>
+          </a:prstGeom>
+          <a:noFill/>
+          <a:ln>
+            <a:noFill/>
+          </a:ln>
+        </p:spPr>
+        <p:style>
+          <a:lnRef idx="2">
+            <a:schemeClr val="dk1"/>
+          </a:lnRef>
+          <a:fillRef idx="1">
+            <a:schemeClr val="lt1"/>
+          </a:fillRef>
+          <a:effectRef idx="0">
+            <a:schemeClr val="dk1"/>
+          </a:effectRef>
+          <a:fontRef idx="minor">
+            <a:schemeClr val="dk1"/>
+          </a:fontRef>
+        </p:style>
+        <p:txBody>
+          <a:bodyPr rtlCol="0" anchor="ctr"/>
+          <a:lstStyle/>
+          <a:p>
+            <a:pPr algn="ctr"/>
+            <a:endParaRPr lang="en-US" sz="4000" dirty="0"/>
+          </a:p>
+        </p:txBody>
+      </p:sp>
+      <p:grpSp>
+        <p:nvGrpSpPr>
+          <p:cNvPr id="3" name="Group 2">
+            <a:extLst>
+              <a:ext uri="{FF2B5EF4-FFF2-40B4-BE49-F238E27FC236}">
+                <a16:creationId xmlns:a16="http://schemas.microsoft.com/office/drawing/2014/main" id="{86FA2526-B736-4ABE-A796-099D4923C055}"/>
+              </a:ext>
+            </a:extLst>
+          </p:cNvPr>
+          <p:cNvGrpSpPr/>
+          <p:nvPr/>
+        </p:nvGrpSpPr>
+        <p:grpSpPr>
+          <a:xfrm>
+            <a:off x="3523130" y="2205405"/>
+            <a:ext cx="2274473" cy="1337026"/>
+            <a:chOff x="3523130" y="2097740"/>
+            <a:chExt cx="2274473" cy="1337026"/>
+          </a:xfrm>
+          <a:solidFill>
+            <a:schemeClr val="tx1"/>
+          </a:solidFill>
+          <a:effectLst/>
+        </p:grpSpPr>
+        <p:sp>
+          <p:nvSpPr>
+            <p:cNvPr id="8" name="Isosceles Triangle 7">
+              <a:extLst>
+                <a:ext uri="{FF2B5EF4-FFF2-40B4-BE49-F238E27FC236}">
+                  <a16:creationId xmlns:a16="http://schemas.microsoft.com/office/drawing/2014/main" id="{2CCC7AA2-4B79-4D63-9B86-AB499234B201}"/>
+                </a:ext>
+              </a:extLst>
+            </p:cNvPr>
+            <p:cNvSpPr/>
+            <p:nvPr/>
+          </p:nvSpPr>
+          <p:spPr>
+            <a:xfrm rot="5400000">
+              <a:off x="3469339" y="2151531"/>
+              <a:ext cx="1337025" cy="1229444"/>
+            </a:xfrm>
+            <a:prstGeom prst="triangle">
+              <a:avLst/>
+            </a:prstGeom>
+            <a:grpFill/>
+            <a:ln w="12700">
+              <a:noFill/>
+            </a:ln>
+          </p:spPr>
+          <p:style>
+            <a:lnRef idx="2">
+              <a:schemeClr val="accent1">
+                <a:shade val="50000"/>
+              </a:schemeClr>
+            </a:lnRef>
+            <a:fillRef idx="1">
+              <a:schemeClr val="accent1"/>
+            </a:fillRef>
+            <a:effectRef idx="0">
+              <a:schemeClr val="accent1"/>
+            </a:effectRef>
+            <a:fontRef idx="minor">
+              <a:schemeClr val="lt1"/>
+            </a:fontRef>
+          </p:style>
+          <p:txBody>
+            <a:bodyPr rtlCol="0" anchor="ctr"/>
+            <a:lstStyle/>
+            <a:p>
+              <a:pPr algn="ctr"/>
+              <a:endParaRPr lang="en-US">
+                <a:effectLst>
+                  <a:glow rad="139700">
+                    <a:schemeClr val="accent1">
+                      <a:satMod val="175000"/>
+                      <a:alpha val="40000"/>
+                    </a:schemeClr>
+                  </a:glow>
+                </a:effectLst>
+              </a:endParaRPr>
+            </a:p>
+          </p:txBody>
+        </p:sp>
+        <p:sp>
+          <p:nvSpPr>
+            <p:cNvPr id="10" name="Rectangle 9">
+              <a:extLst>
+                <a:ext uri="{FF2B5EF4-FFF2-40B4-BE49-F238E27FC236}">
+                  <a16:creationId xmlns:a16="http://schemas.microsoft.com/office/drawing/2014/main" id="{AC0EA0F2-81FF-4F6F-832B-EF3DD6CF8397}"/>
+                </a:ext>
+              </a:extLst>
+            </p:cNvPr>
+            <p:cNvSpPr/>
+            <p:nvPr/>
+          </p:nvSpPr>
+          <p:spPr>
+            <a:xfrm>
+              <a:off x="5474874" y="2097740"/>
+              <a:ext cx="322729" cy="1337026"/>
+            </a:xfrm>
+            <a:prstGeom prst="rect">
+              <a:avLst/>
+            </a:prstGeom>
+            <a:grpFill/>
+            <a:ln w="12700">
+              <a:noFill/>
+            </a:ln>
+          </p:spPr>
+          <p:style>
+            <a:lnRef idx="2">
+              <a:schemeClr val="accent1">
+                <a:shade val="50000"/>
+              </a:schemeClr>
+            </a:lnRef>
+            <a:fillRef idx="1">
+              <a:schemeClr val="accent1"/>
+            </a:fillRef>
+            <a:effectRef idx="0">
+              <a:schemeClr val="accent1"/>
+            </a:effectRef>
+            <a:fontRef idx="minor">
+              <a:schemeClr val="lt1"/>
+            </a:fontRef>
+          </p:style>
+          <p:txBody>
+            <a:bodyPr rtlCol="0" anchor="ctr"/>
+            <a:lstStyle/>
+            <a:p>
+              <a:pPr algn="ctr"/>
+              <a:endParaRPr lang="en-US">
+                <a:effectLst>
+                  <a:glow rad="139700">
+                    <a:schemeClr val="accent1">
+                      <a:satMod val="175000"/>
+                      <a:alpha val="40000"/>
+                    </a:schemeClr>
+                  </a:glow>
+                </a:effectLst>
+              </a:endParaRPr>
+            </a:p>
+          </p:txBody>
+        </p:sp>
+        <p:sp>
+          <p:nvSpPr>
+            <p:cNvPr id="13" name="Isosceles Triangle 12">
+              <a:extLst>
+                <a:ext uri="{FF2B5EF4-FFF2-40B4-BE49-F238E27FC236}">
+                  <a16:creationId xmlns:a16="http://schemas.microsoft.com/office/drawing/2014/main" id="{8A99D1B9-F624-46AE-8DC0-4B600CDB2151}"/>
+                </a:ext>
+              </a:extLst>
+            </p:cNvPr>
+            <p:cNvSpPr/>
+            <p:nvPr/>
+          </p:nvSpPr>
+          <p:spPr>
+            <a:xfrm rot="5400000">
+              <a:off x="4445211" y="2151531"/>
+              <a:ext cx="1337025" cy="1229444"/>
+            </a:xfrm>
+            <a:prstGeom prst="triangle">
+              <a:avLst/>
+            </a:prstGeom>
+            <a:grpFill/>
+            <a:ln w="12700">
+              <a:noFill/>
+            </a:ln>
+          </p:spPr>
+          <p:style>
+            <a:lnRef idx="2">
+              <a:schemeClr val="accent1">
+                <a:shade val="50000"/>
+              </a:schemeClr>
+            </a:lnRef>
+            <a:fillRef idx="1">
+              <a:schemeClr val="accent1"/>
+            </a:fillRef>
+            <a:effectRef idx="0">
+              <a:schemeClr val="accent1"/>
+            </a:effectRef>
+            <a:fontRef idx="minor">
+              <a:schemeClr val="lt1"/>
+            </a:fontRef>
+          </p:style>
+          <p:txBody>
+            <a:bodyPr rtlCol="0" anchor="ctr"/>
+            <a:lstStyle/>
+            <a:p>
+              <a:pPr algn="ctr"/>
+              <a:endParaRPr lang="en-US">
+                <a:effectLst>
+                  <a:glow rad="139700">
+                    <a:schemeClr val="accent1">
+                      <a:satMod val="175000"/>
+                      <a:alpha val="40000"/>
+                    </a:schemeClr>
+                  </a:glow>
+                </a:effectLst>
+              </a:endParaRPr>
+            </a:p>
+          </p:txBody>
+        </p:sp>
+      </p:grpSp>
+    </p:spTree>
+    <p:extLst>
+      <p:ext uri="{BB962C8B-B14F-4D97-AF65-F5344CB8AC3E}">
+        <p14:creationId xmlns:p14="http://schemas.microsoft.com/office/powerpoint/2010/main" val="2257946474"/>
+      </p:ext>
+    </p:extLst>
+  </p:cSld>
+  <p:clrMapOvr>
+    <a:masterClrMapping/>
+  </p:clrMapOvr>
+</p:sld>
+</file>
+
+<file path=ppt/slides/slide3.xml><?xml version="1.0" encoding="utf-8"?>
+<p:sld xmlns:a="http://schemas.openxmlformats.org/drawingml/2006/main" xmlns:r="http://schemas.openxmlformats.org/officeDocument/2006/relationships" xmlns:p="http://schemas.openxmlformats.org/presentationml/2006/main">
+  <p:cSld>
+    <p:spTree>
+      <p:nvGrpSpPr>
+        <p:cNvPr id="1" name=""/>
+        <p:cNvGrpSpPr/>
+        <p:nvPr/>
+      </p:nvGrpSpPr>
+      <p:grpSpPr>
+        <a:xfrm>
+          <a:off x="0" y="0"/>
+          <a:ext cx="0" cy="0"/>
+          <a:chOff x="0" y="0"/>
+          <a:chExt cx="0" cy="0"/>
+        </a:xfrm>
+      </p:grpSpPr>
+      <p:sp>
+        <p:nvSpPr>
+          <p:cNvPr id="2" name="Title 1">
+            <a:extLst>
+              <a:ext uri="{FF2B5EF4-FFF2-40B4-BE49-F238E27FC236}">
+                <a16:creationId xmlns:a16="http://schemas.microsoft.com/office/drawing/2014/main" id="{A5B70141-F160-4715-BABB-D5C4F20075CB}"/>
+              </a:ext>
+            </a:extLst>
+          </p:cNvPr>
+          <p:cNvSpPr>
+            <a:spLocks noGrp="1"/>
+          </p:cNvSpPr>
+          <p:nvPr>
+            <p:ph type="ctrTitle"/>
+          </p:nvPr>
+        </p:nvSpPr>
+        <p:spPr>
+          <a:xfrm>
+            <a:off x="0" y="5139558"/>
+            <a:ext cx="9144000" cy="4004441"/>
+          </a:xfrm>
+          <a:noFill/>
+          <a:ln>
+            <a:noFill/>
+          </a:ln>
+        </p:spPr>
+        <p:style>
+          <a:lnRef idx="2">
+            <a:schemeClr val="dk1"/>
+          </a:lnRef>
+          <a:fillRef idx="1">
+            <a:schemeClr val="lt1"/>
+          </a:fillRef>
+          <a:effectRef idx="0">
+            <a:schemeClr val="dk1"/>
+          </a:effectRef>
+          <a:fontRef idx="minor">
+            <a:schemeClr val="dk1"/>
+          </a:fontRef>
+        </p:style>
+        <p:txBody>
+          <a:bodyPr anchor="ctr">
+            <a:noAutofit/>
+          </a:bodyPr>
+          <a:lstStyle/>
+          <a:p>
+            <a:r>
+              <a:rPr lang="en-US" sz="38000" b="1" dirty="0">
+                <a:solidFill>
+                  <a:schemeClr val="tx1"/>
+                </a:solidFill>
+                <a:effectLst/>
+                <a:latin typeface="+mn-lt"/>
+              </a:rPr>
+              <a:t>HDR</a:t>
+            </a:r>
+          </a:p>
+        </p:txBody>
+      </p:sp>
+      <p:sp>
+        <p:nvSpPr>
+          <p:cNvPr id="5" name="Rectangle 4">
+            <a:extLst>
+              <a:ext uri="{FF2B5EF4-FFF2-40B4-BE49-F238E27FC236}">
+                <a16:creationId xmlns:a16="http://schemas.microsoft.com/office/drawing/2014/main" id="{897C16B4-971C-49AF-A586-90B6BDE1A63E}"/>
+              </a:ext>
+            </a:extLst>
+          </p:cNvPr>
+          <p:cNvSpPr/>
+          <p:nvPr/>
+        </p:nvSpPr>
+        <p:spPr>
+          <a:xfrm>
+            <a:off x="-1" y="0"/>
+            <a:ext cx="7315200" cy="5939758"/>
+          </a:xfrm>
+          <a:prstGeom prst="rect">
+            <a:avLst/>
+          </a:prstGeom>
+          <a:noFill/>
+          <a:ln>
+            <a:noFill/>
+          </a:ln>
+        </p:spPr>
+        <p:style>
+          <a:lnRef idx="2">
+            <a:schemeClr val="dk1"/>
+          </a:lnRef>
+          <a:fillRef idx="1">
+            <a:schemeClr val="lt1"/>
+          </a:fillRef>
+          <a:effectRef idx="0">
+            <a:schemeClr val="dk1"/>
+          </a:effectRef>
+          <a:fontRef idx="minor">
+            <a:schemeClr val="dk1"/>
+          </a:fontRef>
+        </p:style>
+        <p:txBody>
+          <a:bodyPr rtlCol="0" anchor="ctr"/>
+          <a:lstStyle/>
+          <a:p>
+            <a:pPr algn="ctr"/>
+            <a:endParaRPr lang="en-US" sz="4000" dirty="0"/>
+          </a:p>
+        </p:txBody>
+      </p:sp>
+      <p:grpSp>
+        <p:nvGrpSpPr>
+          <p:cNvPr id="3" name="Group 2">
+            <a:extLst>
+              <a:ext uri="{FF2B5EF4-FFF2-40B4-BE49-F238E27FC236}">
+                <a16:creationId xmlns:a16="http://schemas.microsoft.com/office/drawing/2014/main" id="{86FA2526-B736-4ABE-A796-099D4923C055}"/>
+              </a:ext>
+            </a:extLst>
+          </p:cNvPr>
+          <p:cNvGrpSpPr/>
+          <p:nvPr/>
+        </p:nvGrpSpPr>
+        <p:grpSpPr>
+          <a:xfrm>
+            <a:off x="1784846" y="1032935"/>
+            <a:ext cx="5574307" cy="3276800"/>
+            <a:chOff x="3523130" y="2097740"/>
+            <a:chExt cx="2274473" cy="1337026"/>
+          </a:xfrm>
+          <a:solidFill>
+            <a:schemeClr val="tx1"/>
+          </a:solidFill>
+          <a:effectLst/>
+        </p:grpSpPr>
+        <p:sp>
+          <p:nvSpPr>
+            <p:cNvPr id="8" name="Isosceles Triangle 7">
+              <a:extLst>
+                <a:ext uri="{FF2B5EF4-FFF2-40B4-BE49-F238E27FC236}">
+                  <a16:creationId xmlns:a16="http://schemas.microsoft.com/office/drawing/2014/main" id="{2CCC7AA2-4B79-4D63-9B86-AB499234B201}"/>
+                </a:ext>
+              </a:extLst>
+            </p:cNvPr>
+            <p:cNvSpPr/>
+            <p:nvPr/>
+          </p:nvSpPr>
+          <p:spPr>
+            <a:xfrm rot="5400000">
+              <a:off x="3469339" y="2151531"/>
+              <a:ext cx="1337025" cy="1229444"/>
+            </a:xfrm>
+            <a:prstGeom prst="triangle">
+              <a:avLst/>
+            </a:prstGeom>
+            <a:grpFill/>
+            <a:ln w="12700">
+              <a:noFill/>
+            </a:ln>
+          </p:spPr>
+          <p:style>
+            <a:lnRef idx="2">
+              <a:schemeClr val="accent1">
+                <a:shade val="50000"/>
+              </a:schemeClr>
+            </a:lnRef>
+            <a:fillRef idx="1">
+              <a:schemeClr val="accent1"/>
+            </a:fillRef>
+            <a:effectRef idx="0">
+              <a:schemeClr val="accent1"/>
+            </a:effectRef>
+            <a:fontRef idx="minor">
+              <a:schemeClr val="lt1"/>
+            </a:fontRef>
+          </p:style>
+          <p:txBody>
+            <a:bodyPr rtlCol="0" anchor="ctr"/>
+            <a:lstStyle/>
+            <a:p>
+              <a:pPr algn="ctr"/>
+              <a:endParaRPr lang="en-US">
+                <a:effectLst>
+                  <a:glow rad="139700">
+                    <a:schemeClr val="accent1">
+                      <a:satMod val="175000"/>
+                      <a:alpha val="40000"/>
+                    </a:schemeClr>
+                  </a:glow>
+                </a:effectLst>
+              </a:endParaRPr>
+            </a:p>
+          </p:txBody>
+        </p:sp>
+        <p:sp>
+          <p:nvSpPr>
+            <p:cNvPr id="10" name="Rectangle 9">
+              <a:extLst>
+                <a:ext uri="{FF2B5EF4-FFF2-40B4-BE49-F238E27FC236}">
+                  <a16:creationId xmlns:a16="http://schemas.microsoft.com/office/drawing/2014/main" id="{AC0EA0F2-81FF-4F6F-832B-EF3DD6CF8397}"/>
+                </a:ext>
+              </a:extLst>
+            </p:cNvPr>
+            <p:cNvSpPr/>
+            <p:nvPr/>
+          </p:nvSpPr>
+          <p:spPr>
+            <a:xfrm>
+              <a:off x="5474874" y="2097740"/>
+              <a:ext cx="322729" cy="1337026"/>
+            </a:xfrm>
+            <a:prstGeom prst="rect">
+              <a:avLst/>
+            </a:prstGeom>
+            <a:grpFill/>
+            <a:ln w="12700">
+              <a:noFill/>
+            </a:ln>
+          </p:spPr>
+          <p:style>
+            <a:lnRef idx="2">
+              <a:schemeClr val="accent1">
+                <a:shade val="50000"/>
+              </a:schemeClr>
+            </a:lnRef>
+            <a:fillRef idx="1">
+              <a:schemeClr val="accent1"/>
+            </a:fillRef>
+            <a:effectRef idx="0">
+              <a:schemeClr val="accent1"/>
+            </a:effectRef>
+            <a:fontRef idx="minor">
+              <a:schemeClr val="lt1"/>
+            </a:fontRef>
+          </p:style>
+          <p:txBody>
+            <a:bodyPr rtlCol="0" anchor="ctr"/>
+            <a:lstStyle/>
+            <a:p>
+              <a:pPr algn="ctr"/>
+              <a:endParaRPr lang="en-US">
+                <a:effectLst>
+                  <a:glow rad="139700">
+                    <a:schemeClr val="accent1">
+                      <a:satMod val="175000"/>
+                      <a:alpha val="40000"/>
+                    </a:schemeClr>
+                  </a:glow>
+                </a:effectLst>
+              </a:endParaRPr>
+            </a:p>
+          </p:txBody>
+        </p:sp>
+        <p:sp>
+          <p:nvSpPr>
+            <p:cNvPr id="13" name="Isosceles Triangle 12">
+              <a:extLst>
+                <a:ext uri="{FF2B5EF4-FFF2-40B4-BE49-F238E27FC236}">
+                  <a16:creationId xmlns:a16="http://schemas.microsoft.com/office/drawing/2014/main" id="{8A99D1B9-F624-46AE-8DC0-4B600CDB2151}"/>
+                </a:ext>
+              </a:extLst>
+            </p:cNvPr>
+            <p:cNvSpPr/>
+            <p:nvPr/>
+          </p:nvSpPr>
+          <p:spPr>
+            <a:xfrm rot="5400000">
+              <a:off x="4445211" y="2151531"/>
+              <a:ext cx="1337025" cy="1229444"/>
+            </a:xfrm>
+            <a:prstGeom prst="triangle">
+              <a:avLst/>
+            </a:prstGeom>
+            <a:grpFill/>
+            <a:ln w="12700">
+              <a:noFill/>
+            </a:ln>
+          </p:spPr>
+          <p:style>
+            <a:lnRef idx="2">
+              <a:schemeClr val="accent1">
+                <a:shade val="50000"/>
+              </a:schemeClr>
+            </a:lnRef>
+            <a:fillRef idx="1">
+              <a:schemeClr val="accent1"/>
+            </a:fillRef>
+            <a:effectRef idx="0">
+              <a:schemeClr val="accent1"/>
+            </a:effectRef>
+            <a:fontRef idx="minor">
+              <a:schemeClr val="lt1"/>
+            </a:fontRef>
+          </p:style>
+          <p:txBody>
+            <a:bodyPr rtlCol="0" anchor="ctr"/>
+            <a:lstStyle/>
+            <a:p>
+              <a:pPr algn="ctr"/>
+              <a:endParaRPr lang="en-US">
+                <a:effectLst>
+                  <a:glow rad="139700">
+                    <a:schemeClr val="accent1">
+                      <a:satMod val="175000"/>
+                      <a:alpha val="40000"/>
+                    </a:schemeClr>
+                  </a:glow>
+                </a:effectLst>
+              </a:endParaRPr>
+            </a:p>
+          </p:txBody>
+        </p:sp>
+      </p:grpSp>
+    </p:spTree>
+    <p:extLst>
+      <p:ext uri="{BB962C8B-B14F-4D97-AF65-F5344CB8AC3E}">
+        <p14:creationId xmlns:p14="http://schemas.microsoft.com/office/powerpoint/2010/main" val="4090459413"/>
+      </p:ext>
+    </p:extLst>
+  </p:cSld>
+  <p:clrMapOvr>
+    <a:masterClrMapping/>
+  </p:clrMapOvr>
+</p:sld>
+</file>
+
+<file path=ppt/slides/slide4.xml><?xml version="1.0" encoding="utf-8"?>
+<p:sld xmlns:a="http://schemas.openxmlformats.org/drawingml/2006/main" xmlns:r="http://schemas.openxmlformats.org/officeDocument/2006/relationships" xmlns:p="http://schemas.openxmlformats.org/presentationml/2006/main">
+  <p:cSld>
+    <p:spTree>
+      <p:nvGrpSpPr>
+        <p:cNvPr id="1" name=""/>
+        <p:cNvGrpSpPr/>
+        <p:nvPr/>
+      </p:nvGrpSpPr>
+      <p:grpSpPr>
+        <a:xfrm>
+          <a:off x="0" y="0"/>
+          <a:ext cx="0" cy="0"/>
+          <a:chOff x="0" y="0"/>
+          <a:chExt cx="0" cy="0"/>
+        </a:xfrm>
+      </p:grpSpPr>
+      <p:sp>
+        <p:nvSpPr>
           <p:cNvPr id="2" name="Title 1">
             <a:extLst>
               <a:ext uri="{FF2B5EF4-FFF2-40B4-BE49-F238E27FC236}">
@@ -3129,7 +4332,7 @@
 </p:sld>
 </file>
 
-<file path=ppt/slides/slide2.xml><?xml version="1.0" encoding="utf-8"?>
+<file path=ppt/slides/slide5.xml><?xml version="1.0" encoding="utf-8"?>
 <p:sld xmlns:a="http://schemas.openxmlformats.org/drawingml/2006/main" xmlns:r="http://schemas.openxmlformats.org/officeDocument/2006/relationships" xmlns:p="http://schemas.openxmlformats.org/presentationml/2006/main">
   <p:cSld>
     <p:spTree>
@@ -3233,7 +4436,7 @@
 </p:sld>
 </file>
 
-<file path=ppt/slides/slide3.xml><?xml version="1.0" encoding="utf-8"?>
+<file path=ppt/slides/slide6.xml><?xml version="1.0" encoding="utf-8"?>
 <p:sld xmlns:a="http://schemas.openxmlformats.org/drawingml/2006/main" xmlns:r="http://schemas.openxmlformats.org/officeDocument/2006/relationships" xmlns:p="http://schemas.openxmlformats.org/presentationml/2006/main">
   <p:cSld>
     <p:spTree>
@@ -3378,7 +4581,7 @@
 </p:sld>
 </file>
 
-<file path=ppt/slides/slide4.xml><?xml version="1.0" encoding="utf-8"?>
+<file path=ppt/slides/slide7.xml><?xml version="1.0" encoding="utf-8"?>
 <p:sld xmlns:a="http://schemas.openxmlformats.org/drawingml/2006/main" xmlns:r="http://schemas.openxmlformats.org/officeDocument/2006/relationships" xmlns:p="http://schemas.openxmlformats.org/presentationml/2006/main">
   <p:cSld>
     <p:spTree>
